--- a/Presentation.pptx
+++ b/Presentation.pptx
@@ -3015,13 +3015,8 @@
           <a:p>
             <a:r>
               <a:rPr lang="en-GB" dirty="0" smtClean="0"/>
-              <a:t>A response to </a:t>
-            </a:r>
-            <a:r>
-              <a:rPr lang="en-GB" dirty="0" smtClean="0"/>
-              <a:t>Tower of Babble</a:t>
-            </a:r>
-            <a:endParaRPr lang="en-GB" dirty="0" smtClean="0"/>
+              <a:t>A response to Tower of Babble</a:t>
+            </a:r>
           </a:p>
           <a:p>
             <a:r>
@@ -3123,7 +3118,6 @@
               <a:rPr lang="en-GB" dirty="0" smtClean="0"/>
               <a:t> earlier works and what made him want to pursue his style of perception in his later, more famous works of art.</a:t>
             </a:r>
-            <a:endParaRPr lang="en-GB" dirty="0" smtClean="0"/>
           </a:p>
         </p:txBody>
       </p:sp>
@@ -3225,20 +3219,21 @@
             <p:ph idx="1"/>
           </p:nvPr>
         </p:nvSpPr>
-        <p:spPr/>
-        <p:txBody>
-          <a:bodyPr/>
+        <p:spPr>
+          <a:xfrm>
+            <a:off x="838200" y="1825625"/>
+            <a:ext cx="8611852" cy="4351338"/>
+          </a:xfrm>
+        </p:spPr>
+        <p:txBody>
+          <a:bodyPr>
+            <a:normAutofit fontScale="92500" lnSpcReduction="10000"/>
+          </a:bodyPr>
           <a:lstStyle/>
           <a:p>
             <a:r>
               <a:rPr lang="en-GB" dirty="0" smtClean="0"/>
-              <a:t>[Maybe include a small image of the work here]</a:t>
-            </a:r>
-          </a:p>
-          <a:p>
-            <a:r>
-              <a:rPr lang="en-GB" dirty="0" smtClean="0"/>
-              <a:t>What it depicts / what  it’s “about”</a:t>
+              <a:t>The Tower of Babble painting is inspired by the bible story ‘The Tower of Babble’ where the residents of Babylon attempted to make a building to heaven, but as they built it taller God made it so the workers could no longer understand each other so the building became unstable and no more work could be done.</a:t>
             </a:r>
           </a:p>
           <a:p>
@@ -3246,6 +3241,7 @@
               <a:rPr lang="en-GB" dirty="0" smtClean="0"/>
               <a:t>History</a:t>
             </a:r>
+            <a:endParaRPr lang="en-GB" dirty="0" smtClean="0"/>
           </a:p>
           <a:p>
             <a:r>
@@ -3363,11 +3359,7 @@
             </a:r>
             <a:r>
               <a:rPr lang="en-GB" smtClean="0"/>
-              <a:t>of </a:t>
-            </a:r>
-            <a:r>
-              <a:rPr lang="en-GB" smtClean="0"/>
-              <a:t>art&gt;g</a:t>
+              <a:t>of art&gt;g</a:t>
             </a:r>
             <a:endParaRPr lang="en-US" dirty="0"/>
           </a:p>

--- a/Presentation.pptx
+++ b/Presentation.pptx
@@ -160,10 +160,9 @@
           </a:lstStyle>
           <a:p>
             <a:r>
-              <a:rPr lang="en-US" smtClean="0"/>
+              <a:rPr lang="en-US"/>
               <a:t>Click to edit Master title style</a:t>
             </a:r>
-            <a:endParaRPr lang="en-US"/>
           </a:p>
         </p:txBody>
       </p:sp>
@@ -225,10 +224,9 @@
           </a:lstStyle>
           <a:p>
             <a:r>
-              <a:rPr lang="en-US" smtClean="0"/>
+              <a:rPr lang="en-US"/>
               <a:t>Click to edit Master subtitle style</a:t>
             </a:r>
-            <a:endParaRPr lang="en-US"/>
           </a:p>
         </p:txBody>
       </p:sp>
@@ -249,7 +247,7 @@
           <a:p>
             <a:fld id="{896DB8EA-4B77-48E2-8F2A-873A9F82D9F4}" type="datetimeFigureOut">
               <a:rPr lang="en-US" smtClean="0"/>
-              <a:t>2/15/2019</a:t>
+              <a:t>2/21/2019</a:t>
             </a:fld>
             <a:endParaRPr lang="en-US"/>
           </a:p>
@@ -343,10 +341,9 @@
           <a:lstStyle/>
           <a:p>
             <a:r>
-              <a:rPr lang="en-US" smtClean="0"/>
+              <a:rPr lang="en-US"/>
               <a:t>Click to edit Master title style</a:t>
             </a:r>
-            <a:endParaRPr lang="en-US"/>
           </a:p>
         </p:txBody>
       </p:sp>
@@ -367,38 +364,37 @@
           <a:p>
             <a:pPr lvl="0"/>
             <a:r>
-              <a:rPr lang="en-US" smtClean="0"/>
+              <a:rPr lang="en-US"/>
               <a:t>Edit Master text styles</a:t>
             </a:r>
           </a:p>
           <a:p>
             <a:pPr lvl="1"/>
             <a:r>
-              <a:rPr lang="en-US" smtClean="0"/>
+              <a:rPr lang="en-US"/>
               <a:t>Second level</a:t>
             </a:r>
           </a:p>
           <a:p>
             <a:pPr lvl="2"/>
             <a:r>
-              <a:rPr lang="en-US" smtClean="0"/>
+              <a:rPr lang="en-US"/>
               <a:t>Third level</a:t>
             </a:r>
           </a:p>
           <a:p>
             <a:pPr lvl="3"/>
             <a:r>
-              <a:rPr lang="en-US" smtClean="0"/>
+              <a:rPr lang="en-US"/>
               <a:t>Fourth level</a:t>
             </a:r>
           </a:p>
           <a:p>
             <a:pPr lvl="4"/>
             <a:r>
-              <a:rPr lang="en-US" smtClean="0"/>
+              <a:rPr lang="en-US"/>
               <a:t>Fifth level</a:t>
             </a:r>
-            <a:endParaRPr lang="en-US"/>
           </a:p>
         </p:txBody>
       </p:sp>
@@ -419,7 +415,7 @@
           <a:p>
             <a:fld id="{896DB8EA-4B77-48E2-8F2A-873A9F82D9F4}" type="datetimeFigureOut">
               <a:rPr lang="en-US" smtClean="0"/>
-              <a:t>2/15/2019</a:t>
+              <a:t>2/21/2019</a:t>
             </a:fld>
             <a:endParaRPr lang="en-US"/>
           </a:p>
@@ -518,10 +514,9 @@
           <a:lstStyle/>
           <a:p>
             <a:r>
-              <a:rPr lang="en-US" smtClean="0"/>
+              <a:rPr lang="en-US"/>
               <a:t>Click to edit Master title style</a:t>
             </a:r>
-            <a:endParaRPr lang="en-US"/>
           </a:p>
         </p:txBody>
       </p:sp>
@@ -547,38 +542,37 @@
           <a:p>
             <a:pPr lvl="0"/>
             <a:r>
-              <a:rPr lang="en-US" smtClean="0"/>
+              <a:rPr lang="en-US"/>
               <a:t>Edit Master text styles</a:t>
             </a:r>
           </a:p>
           <a:p>
             <a:pPr lvl="1"/>
             <a:r>
-              <a:rPr lang="en-US" smtClean="0"/>
+              <a:rPr lang="en-US"/>
               <a:t>Second level</a:t>
             </a:r>
           </a:p>
           <a:p>
             <a:pPr lvl="2"/>
             <a:r>
-              <a:rPr lang="en-US" smtClean="0"/>
+              <a:rPr lang="en-US"/>
               <a:t>Third level</a:t>
             </a:r>
           </a:p>
           <a:p>
             <a:pPr lvl="3"/>
             <a:r>
-              <a:rPr lang="en-US" smtClean="0"/>
+              <a:rPr lang="en-US"/>
               <a:t>Fourth level</a:t>
             </a:r>
           </a:p>
           <a:p>
             <a:pPr lvl="4"/>
             <a:r>
-              <a:rPr lang="en-US" smtClean="0"/>
+              <a:rPr lang="en-US"/>
               <a:t>Fifth level</a:t>
             </a:r>
-            <a:endParaRPr lang="en-US"/>
           </a:p>
         </p:txBody>
       </p:sp>
@@ -599,7 +593,7 @@
           <a:p>
             <a:fld id="{896DB8EA-4B77-48E2-8F2A-873A9F82D9F4}" type="datetimeFigureOut">
               <a:rPr lang="en-US" smtClean="0"/>
-              <a:t>2/15/2019</a:t>
+              <a:t>2/21/2019</a:t>
             </a:fld>
             <a:endParaRPr lang="en-US"/>
           </a:p>
@@ -693,10 +687,9 @@
           <a:lstStyle/>
           <a:p>
             <a:r>
-              <a:rPr lang="en-US" smtClean="0"/>
+              <a:rPr lang="en-US"/>
               <a:t>Click to edit Master title style</a:t>
             </a:r>
-            <a:endParaRPr lang="en-US"/>
           </a:p>
         </p:txBody>
       </p:sp>
@@ -717,38 +710,37 @@
           <a:p>
             <a:pPr lvl="0"/>
             <a:r>
-              <a:rPr lang="en-US" smtClean="0"/>
+              <a:rPr lang="en-US"/>
               <a:t>Edit Master text styles</a:t>
             </a:r>
           </a:p>
           <a:p>
             <a:pPr lvl="1"/>
             <a:r>
-              <a:rPr lang="en-US" smtClean="0"/>
+              <a:rPr lang="en-US"/>
               <a:t>Second level</a:t>
             </a:r>
           </a:p>
           <a:p>
             <a:pPr lvl="2"/>
             <a:r>
-              <a:rPr lang="en-US" smtClean="0"/>
+              <a:rPr lang="en-US"/>
               <a:t>Third level</a:t>
             </a:r>
           </a:p>
           <a:p>
             <a:pPr lvl="3"/>
             <a:r>
-              <a:rPr lang="en-US" smtClean="0"/>
+              <a:rPr lang="en-US"/>
               <a:t>Fourth level</a:t>
             </a:r>
           </a:p>
           <a:p>
             <a:pPr lvl="4"/>
             <a:r>
-              <a:rPr lang="en-US" smtClean="0"/>
+              <a:rPr lang="en-US"/>
               <a:t>Fifth level</a:t>
             </a:r>
-            <a:endParaRPr lang="en-US"/>
           </a:p>
         </p:txBody>
       </p:sp>
@@ -769,7 +761,7 @@
           <a:p>
             <a:fld id="{896DB8EA-4B77-48E2-8F2A-873A9F82D9F4}" type="datetimeFigureOut">
               <a:rPr lang="en-US" smtClean="0"/>
-              <a:t>2/15/2019</a:t>
+              <a:t>2/21/2019</a:t>
             </a:fld>
             <a:endParaRPr lang="en-US"/>
           </a:p>
@@ -872,10 +864,9 @@
           </a:lstStyle>
           <a:p>
             <a:r>
-              <a:rPr lang="en-US" smtClean="0"/>
+              <a:rPr lang="en-US"/>
               <a:t>Click to edit Master title style</a:t>
             </a:r>
-            <a:endParaRPr lang="en-US"/>
           </a:p>
         </p:txBody>
       </p:sp>
@@ -992,7 +983,7 @@
           <a:p>
             <a:pPr lvl="0"/>
             <a:r>
-              <a:rPr lang="en-US" smtClean="0"/>
+              <a:rPr lang="en-US"/>
               <a:t>Edit Master text styles</a:t>
             </a:r>
           </a:p>
@@ -1015,7 +1006,7 @@
           <a:p>
             <a:fld id="{896DB8EA-4B77-48E2-8F2A-873A9F82D9F4}" type="datetimeFigureOut">
               <a:rPr lang="en-US" smtClean="0"/>
-              <a:t>2/15/2019</a:t>
+              <a:t>2/21/2019</a:t>
             </a:fld>
             <a:endParaRPr lang="en-US"/>
           </a:p>
@@ -1109,10 +1100,9 @@
           <a:lstStyle/>
           <a:p>
             <a:r>
-              <a:rPr lang="en-US" smtClean="0"/>
+              <a:rPr lang="en-US"/>
               <a:t>Click to edit Master title style</a:t>
             </a:r>
-            <a:endParaRPr lang="en-US"/>
           </a:p>
         </p:txBody>
       </p:sp>
@@ -1138,38 +1128,37 @@
           <a:p>
             <a:pPr lvl="0"/>
             <a:r>
-              <a:rPr lang="en-US" smtClean="0"/>
+              <a:rPr lang="en-US"/>
               <a:t>Edit Master text styles</a:t>
             </a:r>
           </a:p>
           <a:p>
             <a:pPr lvl="1"/>
             <a:r>
-              <a:rPr lang="en-US" smtClean="0"/>
+              <a:rPr lang="en-US"/>
               <a:t>Second level</a:t>
             </a:r>
           </a:p>
           <a:p>
             <a:pPr lvl="2"/>
             <a:r>
-              <a:rPr lang="en-US" smtClean="0"/>
+              <a:rPr lang="en-US"/>
               <a:t>Third level</a:t>
             </a:r>
           </a:p>
           <a:p>
             <a:pPr lvl="3"/>
             <a:r>
-              <a:rPr lang="en-US" smtClean="0"/>
+              <a:rPr lang="en-US"/>
               <a:t>Fourth level</a:t>
             </a:r>
           </a:p>
           <a:p>
             <a:pPr lvl="4"/>
             <a:r>
-              <a:rPr lang="en-US" smtClean="0"/>
+              <a:rPr lang="en-US"/>
               <a:t>Fifth level</a:t>
             </a:r>
-            <a:endParaRPr lang="en-US"/>
           </a:p>
         </p:txBody>
       </p:sp>
@@ -1195,38 +1184,37 @@
           <a:p>
             <a:pPr lvl="0"/>
             <a:r>
-              <a:rPr lang="en-US" smtClean="0"/>
+              <a:rPr lang="en-US"/>
               <a:t>Edit Master text styles</a:t>
             </a:r>
           </a:p>
           <a:p>
             <a:pPr lvl="1"/>
             <a:r>
-              <a:rPr lang="en-US" smtClean="0"/>
+              <a:rPr lang="en-US"/>
               <a:t>Second level</a:t>
             </a:r>
           </a:p>
           <a:p>
             <a:pPr lvl="2"/>
             <a:r>
-              <a:rPr lang="en-US" smtClean="0"/>
+              <a:rPr lang="en-US"/>
               <a:t>Third level</a:t>
             </a:r>
           </a:p>
           <a:p>
             <a:pPr lvl="3"/>
             <a:r>
-              <a:rPr lang="en-US" smtClean="0"/>
+              <a:rPr lang="en-US"/>
               <a:t>Fourth level</a:t>
             </a:r>
           </a:p>
           <a:p>
             <a:pPr lvl="4"/>
             <a:r>
-              <a:rPr lang="en-US" smtClean="0"/>
+              <a:rPr lang="en-US"/>
               <a:t>Fifth level</a:t>
             </a:r>
-            <a:endParaRPr lang="en-US"/>
           </a:p>
         </p:txBody>
       </p:sp>
@@ -1247,7 +1235,7 @@
           <a:p>
             <a:fld id="{896DB8EA-4B77-48E2-8F2A-873A9F82D9F4}" type="datetimeFigureOut">
               <a:rPr lang="en-US" smtClean="0"/>
-              <a:t>2/15/2019</a:t>
+              <a:t>2/21/2019</a:t>
             </a:fld>
             <a:endParaRPr lang="en-US"/>
           </a:p>
@@ -1346,10 +1334,9 @@
           <a:lstStyle/>
           <a:p>
             <a:r>
-              <a:rPr lang="en-US" smtClean="0"/>
+              <a:rPr lang="en-US"/>
               <a:t>Click to edit Master title style</a:t>
             </a:r>
-            <a:endParaRPr lang="en-US"/>
           </a:p>
         </p:txBody>
       </p:sp>
@@ -1412,7 +1399,7 @@
           <a:p>
             <a:pPr lvl="0"/>
             <a:r>
-              <a:rPr lang="en-US" smtClean="0"/>
+              <a:rPr lang="en-US"/>
               <a:t>Edit Master text styles</a:t>
             </a:r>
           </a:p>
@@ -1440,38 +1427,37 @@
           <a:p>
             <a:pPr lvl="0"/>
             <a:r>
-              <a:rPr lang="en-US" smtClean="0"/>
+              <a:rPr lang="en-US"/>
               <a:t>Edit Master text styles</a:t>
             </a:r>
           </a:p>
           <a:p>
             <a:pPr lvl="1"/>
             <a:r>
-              <a:rPr lang="en-US" smtClean="0"/>
+              <a:rPr lang="en-US"/>
               <a:t>Second level</a:t>
             </a:r>
           </a:p>
           <a:p>
             <a:pPr lvl="2"/>
             <a:r>
-              <a:rPr lang="en-US" smtClean="0"/>
+              <a:rPr lang="en-US"/>
               <a:t>Third level</a:t>
             </a:r>
           </a:p>
           <a:p>
             <a:pPr lvl="3"/>
             <a:r>
-              <a:rPr lang="en-US" smtClean="0"/>
+              <a:rPr lang="en-US"/>
               <a:t>Fourth level</a:t>
             </a:r>
           </a:p>
           <a:p>
             <a:pPr lvl="4"/>
             <a:r>
-              <a:rPr lang="en-US" smtClean="0"/>
+              <a:rPr lang="en-US"/>
               <a:t>Fifth level</a:t>
             </a:r>
-            <a:endParaRPr lang="en-US"/>
           </a:p>
         </p:txBody>
       </p:sp>
@@ -1534,7 +1520,7 @@
           <a:p>
             <a:pPr lvl="0"/>
             <a:r>
-              <a:rPr lang="en-US" smtClean="0"/>
+              <a:rPr lang="en-US"/>
               <a:t>Edit Master text styles</a:t>
             </a:r>
           </a:p>
@@ -1562,38 +1548,37 @@
           <a:p>
             <a:pPr lvl="0"/>
             <a:r>
-              <a:rPr lang="en-US" smtClean="0"/>
+              <a:rPr lang="en-US"/>
               <a:t>Edit Master text styles</a:t>
             </a:r>
           </a:p>
           <a:p>
             <a:pPr lvl="1"/>
             <a:r>
-              <a:rPr lang="en-US" smtClean="0"/>
+              <a:rPr lang="en-US"/>
               <a:t>Second level</a:t>
             </a:r>
           </a:p>
           <a:p>
             <a:pPr lvl="2"/>
             <a:r>
-              <a:rPr lang="en-US" smtClean="0"/>
+              <a:rPr lang="en-US"/>
               <a:t>Third level</a:t>
             </a:r>
           </a:p>
           <a:p>
             <a:pPr lvl="3"/>
             <a:r>
-              <a:rPr lang="en-US" smtClean="0"/>
+              <a:rPr lang="en-US"/>
               <a:t>Fourth level</a:t>
             </a:r>
           </a:p>
           <a:p>
             <a:pPr lvl="4"/>
             <a:r>
-              <a:rPr lang="en-US" smtClean="0"/>
+              <a:rPr lang="en-US"/>
               <a:t>Fifth level</a:t>
             </a:r>
-            <a:endParaRPr lang="en-US"/>
           </a:p>
         </p:txBody>
       </p:sp>
@@ -1614,7 +1599,7 @@
           <a:p>
             <a:fld id="{896DB8EA-4B77-48E2-8F2A-873A9F82D9F4}" type="datetimeFigureOut">
               <a:rPr lang="en-US" smtClean="0"/>
-              <a:t>2/15/2019</a:t>
+              <a:t>2/21/2019</a:t>
             </a:fld>
             <a:endParaRPr lang="en-US"/>
           </a:p>
@@ -1708,10 +1693,9 @@
           <a:lstStyle/>
           <a:p>
             <a:r>
-              <a:rPr lang="en-US" smtClean="0"/>
+              <a:rPr lang="en-US"/>
               <a:t>Click to edit Master title style</a:t>
             </a:r>
-            <a:endParaRPr lang="en-US"/>
           </a:p>
         </p:txBody>
       </p:sp>
@@ -1732,7 +1716,7 @@
           <a:p>
             <a:fld id="{896DB8EA-4B77-48E2-8F2A-873A9F82D9F4}" type="datetimeFigureOut">
               <a:rPr lang="en-US" smtClean="0"/>
-              <a:t>2/15/2019</a:t>
+              <a:t>2/21/2019</a:t>
             </a:fld>
             <a:endParaRPr lang="en-US"/>
           </a:p>
@@ -1827,7 +1811,7 @@
           <a:p>
             <a:fld id="{896DB8EA-4B77-48E2-8F2A-873A9F82D9F4}" type="datetimeFigureOut">
               <a:rPr lang="en-US" smtClean="0"/>
-              <a:t>2/15/2019</a:t>
+              <a:t>2/21/2019</a:t>
             </a:fld>
             <a:endParaRPr lang="en-US"/>
           </a:p>
@@ -1930,10 +1914,9 @@
           </a:lstStyle>
           <a:p>
             <a:r>
-              <a:rPr lang="en-US" smtClean="0"/>
+              <a:rPr lang="en-US"/>
               <a:t>Click to edit Master title style</a:t>
             </a:r>
-            <a:endParaRPr lang="en-US"/>
           </a:p>
         </p:txBody>
       </p:sp>
@@ -1987,38 +1970,37 @@
           <a:p>
             <a:pPr lvl="0"/>
             <a:r>
-              <a:rPr lang="en-US" smtClean="0"/>
+              <a:rPr lang="en-US"/>
               <a:t>Edit Master text styles</a:t>
             </a:r>
           </a:p>
           <a:p>
             <a:pPr lvl="1"/>
             <a:r>
-              <a:rPr lang="en-US" smtClean="0"/>
+              <a:rPr lang="en-US"/>
               <a:t>Second level</a:t>
             </a:r>
           </a:p>
           <a:p>
             <a:pPr lvl="2"/>
             <a:r>
-              <a:rPr lang="en-US" smtClean="0"/>
+              <a:rPr lang="en-US"/>
               <a:t>Third level</a:t>
             </a:r>
           </a:p>
           <a:p>
             <a:pPr lvl="3"/>
             <a:r>
-              <a:rPr lang="en-US" smtClean="0"/>
+              <a:rPr lang="en-US"/>
               <a:t>Fourth level</a:t>
             </a:r>
           </a:p>
           <a:p>
             <a:pPr lvl="4"/>
             <a:r>
-              <a:rPr lang="en-US" smtClean="0"/>
+              <a:rPr lang="en-US"/>
               <a:t>Fifth level</a:t>
             </a:r>
-            <a:endParaRPr lang="en-US"/>
           </a:p>
         </p:txBody>
       </p:sp>
@@ -2081,7 +2063,7 @@
           <a:p>
             <a:pPr lvl="0"/>
             <a:r>
-              <a:rPr lang="en-US" smtClean="0"/>
+              <a:rPr lang="en-US"/>
               <a:t>Edit Master text styles</a:t>
             </a:r>
           </a:p>
@@ -2104,7 +2086,7 @@
           <a:p>
             <a:fld id="{896DB8EA-4B77-48E2-8F2A-873A9F82D9F4}" type="datetimeFigureOut">
               <a:rPr lang="en-US" smtClean="0"/>
-              <a:t>2/15/2019</a:t>
+              <a:t>2/21/2019</a:t>
             </a:fld>
             <a:endParaRPr lang="en-US"/>
           </a:p>
@@ -2207,10 +2189,9 @@
           </a:lstStyle>
           <a:p>
             <a:r>
-              <a:rPr lang="en-US" smtClean="0"/>
+              <a:rPr lang="en-US"/>
               <a:t>Click to edit Master title style</a:t>
             </a:r>
-            <a:endParaRPr lang="en-US"/>
           </a:p>
         </p:txBody>
       </p:sp>
@@ -2334,7 +2315,7 @@
           <a:p>
             <a:pPr lvl="0"/>
             <a:r>
-              <a:rPr lang="en-US" smtClean="0"/>
+              <a:rPr lang="en-US"/>
               <a:t>Edit Master text styles</a:t>
             </a:r>
           </a:p>
@@ -2357,7 +2338,7 @@
           <a:p>
             <a:fld id="{896DB8EA-4B77-48E2-8F2A-873A9F82D9F4}" type="datetimeFigureOut">
               <a:rPr lang="en-US" smtClean="0"/>
-              <a:t>2/15/2019</a:t>
+              <a:t>2/21/2019</a:t>
             </a:fld>
             <a:endParaRPr lang="en-US"/>
           </a:p>
@@ -2466,10 +2447,9 @@
           <a:lstStyle/>
           <a:p>
             <a:r>
-              <a:rPr lang="en-US" smtClean="0"/>
+              <a:rPr lang="en-US"/>
               <a:t>Click to edit Master title style</a:t>
             </a:r>
-            <a:endParaRPr lang="en-US"/>
           </a:p>
         </p:txBody>
       </p:sp>
@@ -2500,38 +2480,37 @@
           <a:p>
             <a:pPr lvl="0"/>
             <a:r>
-              <a:rPr lang="en-US" smtClean="0"/>
+              <a:rPr lang="en-US"/>
               <a:t>Edit Master text styles</a:t>
             </a:r>
           </a:p>
           <a:p>
             <a:pPr lvl="1"/>
             <a:r>
-              <a:rPr lang="en-US" smtClean="0"/>
+              <a:rPr lang="en-US"/>
               <a:t>Second level</a:t>
             </a:r>
           </a:p>
           <a:p>
             <a:pPr lvl="2"/>
             <a:r>
-              <a:rPr lang="en-US" smtClean="0"/>
+              <a:rPr lang="en-US"/>
               <a:t>Third level</a:t>
             </a:r>
           </a:p>
           <a:p>
             <a:pPr lvl="3"/>
             <a:r>
-              <a:rPr lang="en-US" smtClean="0"/>
+              <a:rPr lang="en-US"/>
               <a:t>Fourth level</a:t>
             </a:r>
           </a:p>
           <a:p>
             <a:pPr lvl="4"/>
             <a:r>
-              <a:rPr lang="en-US" smtClean="0"/>
+              <a:rPr lang="en-US"/>
               <a:t>Fifth level</a:t>
             </a:r>
-            <a:endParaRPr lang="en-US"/>
           </a:p>
         </p:txBody>
       </p:sp>
@@ -2570,7 +2549,7 @@
           <a:p>
             <a:fld id="{896DB8EA-4B77-48E2-8F2A-873A9F82D9F4}" type="datetimeFigureOut">
               <a:rPr lang="en-US" smtClean="0"/>
-              <a:t>2/15/2019</a:t>
+              <a:t>2/21/2019</a:t>
             </a:fld>
             <a:endParaRPr lang="en-US"/>
           </a:p>
@@ -2991,7 +2970,7 @@
           <a:lstStyle/>
           <a:p>
             <a:r>
-              <a:rPr lang="en-GB" dirty="0" smtClean="0"/>
+              <a:rPr lang="en-GB" dirty="0"/>
               <a:t>Panic Builder</a:t>
             </a:r>
             <a:endParaRPr lang="en-US" dirty="0"/>
@@ -3014,13 +2993,21 @@
           <a:lstStyle/>
           <a:p>
             <a:r>
-              <a:rPr lang="en-GB" dirty="0" smtClean="0"/>
-              <a:t>A response to Tower of Babble</a:t>
-            </a:r>
-          </a:p>
-          <a:p>
-            <a:r>
-              <a:rPr lang="en-GB" dirty="0" smtClean="0"/>
+              <a:rPr lang="en-GB" dirty="0"/>
+              <a:t>A response to Tower of </a:t>
+            </a:r>
+            <a:r>
+              <a:rPr lang="en-GB" dirty="0" err="1"/>
+              <a:t>Bable</a:t>
+            </a:r>
+            <a:r>
+              <a:rPr lang="en-GB" dirty="0"/>
+              <a:t>- M.C Escher</a:t>
+            </a:r>
+          </a:p>
+          <a:p>
+            <a:r>
+              <a:rPr lang="en-GB" dirty="0"/>
               <a:t>Bradley McDonald</a:t>
             </a:r>
             <a:endParaRPr lang="en-US" dirty="0"/>
@@ -3073,8 +3060,12 @@
           <a:lstStyle/>
           <a:p>
             <a:r>
-              <a:rPr lang="en-GB" dirty="0" smtClean="0"/>
-              <a:t>Tower of Babble</a:t>
+              <a:rPr lang="en-GB" dirty="0"/>
+              <a:t>Tower of </a:t>
+            </a:r>
+            <a:r>
+              <a:rPr lang="en-GB" dirty="0" err="1"/>
+              <a:t>Bable</a:t>
             </a:r>
             <a:endParaRPr lang="en-US" dirty="0"/>
           </a:p>
@@ -3101,21 +3092,29 @@
           <a:lstStyle/>
           <a:p>
             <a:r>
-              <a:rPr lang="en-GB" dirty="0" smtClean="0"/>
-              <a:t>Created by the artist M.C Escher in 1928. </a:t>
-            </a:r>
-          </a:p>
-          <a:p>
-            <a:r>
-              <a:rPr lang="en-GB" dirty="0" smtClean="0"/>
+              <a:rPr lang="en-GB" dirty="0"/>
+              <a:t>Created by the </a:t>
+            </a:r>
+            <a:r>
+              <a:rPr lang="en-GB" dirty="0" err="1"/>
+              <a:t>dutch</a:t>
+            </a:r>
+            <a:r>
+              <a:rPr lang="en-GB" dirty="0"/>
+              <a:t> artist M.C Escher in 1928. </a:t>
+            </a:r>
+          </a:p>
+          <a:p>
+            <a:r>
+              <a:rPr lang="en-GB" dirty="0"/>
               <a:t>It was one of M.C </a:t>
             </a:r>
             <a:r>
-              <a:rPr lang="en-GB" dirty="0" err="1" smtClean="0"/>
+              <a:rPr lang="en-GB" dirty="0" err="1"/>
               <a:t>Eschers</a:t>
             </a:r>
             <a:r>
-              <a:rPr lang="en-GB" dirty="0" smtClean="0"/>
+              <a:rPr lang="en-GB" dirty="0"/>
               <a:t> earlier works and what made him want to pursue his style of perception in his later, more famous works of art.</a:t>
             </a:r>
           </a:p>
@@ -3202,10 +3201,17 @@
           <a:lstStyle/>
           <a:p>
             <a:r>
-              <a:rPr lang="en-GB" sz="4000" dirty="0" smtClean="0"/>
-              <a:t>&lt;Some (more) context about your work of art&gt;</a:t>
-            </a:r>
-            <a:endParaRPr lang="en-US" sz="4000" dirty="0"/>
+              <a:rPr lang="en-US" sz="4000" dirty="0"/>
+              <a:t>Tower of </a:t>
+            </a:r>
+            <a:r>
+              <a:rPr lang="en-US" sz="4000" dirty="0" err="1"/>
+              <a:t>Bable</a:t>
+            </a:r>
+            <a:r>
+              <a:rPr lang="en-US" sz="4000" dirty="0"/>
+              <a:t> explored</a:t>
+            </a:r>
           </a:p>
         </p:txBody>
       </p:sp>
@@ -3221,50 +3227,55 @@
         </p:nvSpPr>
         <p:spPr>
           <a:xfrm>
-            <a:off x="838200" y="1825625"/>
-            <a:ext cx="8611852" cy="4351338"/>
+            <a:off x="838200" y="1825624"/>
+            <a:ext cx="8611852" cy="5032375"/>
           </a:xfrm>
         </p:spPr>
         <p:txBody>
           <a:bodyPr>
-            <a:normAutofit fontScale="92500" lnSpcReduction="10000"/>
+            <a:normAutofit/>
           </a:bodyPr>
           <a:lstStyle/>
           <a:p>
             <a:r>
-              <a:rPr lang="en-GB" dirty="0" smtClean="0"/>
-              <a:t>The Tower of Babble painting is inspired by the bible story ‘The Tower of Babble’ where the residents of Babylon attempted to make a building to heaven, but as they built it taller God made it so the workers could no longer understand each other so the building became unstable and no more work could be done.</a:t>
-            </a:r>
-          </a:p>
-          <a:p>
-            <a:r>
-              <a:rPr lang="en-GB" dirty="0" smtClean="0"/>
-              <a:t>History</a:t>
-            </a:r>
-            <a:endParaRPr lang="en-GB" dirty="0" smtClean="0"/>
-          </a:p>
-          <a:p>
-            <a:r>
-              <a:rPr lang="en-GB" dirty="0" smtClean="0"/>
-              <a:t>[Social conditions when it was created]</a:t>
-            </a:r>
-          </a:p>
-          <a:p>
-            <a:r>
-              <a:rPr lang="en-GB" dirty="0" smtClean="0"/>
-              <a:t>[Reception to the work of art when it was released]</a:t>
-            </a:r>
-          </a:p>
-          <a:p>
-            <a:r>
-              <a:rPr lang="en-GB" dirty="0" smtClean="0"/>
-              <a:t>[Any other thing that may be relevant]</a:t>
-            </a:r>
-          </a:p>
-          <a:p>
-            <a:r>
-              <a:rPr lang="en-GB" dirty="0" smtClean="0"/>
-              <a:t>[Why you selected this work of art]</a:t>
+              <a:rPr lang="en-GB" dirty="0"/>
+              <a:t>The Tower of </a:t>
+            </a:r>
+            <a:r>
+              <a:rPr lang="en-GB" dirty="0" err="1"/>
+              <a:t>Bable</a:t>
+            </a:r>
+            <a:r>
+              <a:rPr lang="en-GB" dirty="0"/>
+              <a:t> painting is inspired by the bible story ‘The Tower of </a:t>
+            </a:r>
+            <a:r>
+              <a:rPr lang="en-GB" dirty="0" err="1"/>
+              <a:t>Bable</a:t>
+            </a:r>
+            <a:r>
+              <a:rPr lang="en-GB" dirty="0"/>
+              <a:t>’ where the residents of Babylon attempted to make a building to heaven, but as they built it taller God made it so the workers could no longer understand each other so the building became unstable and no more work could be done.</a:t>
+            </a:r>
+          </a:p>
+          <a:p>
+            <a:r>
+              <a:rPr lang="en-GB" dirty="0"/>
+              <a:t>M.C Escher was for long neglected in the art world as his focus was more to maths and illusion.</a:t>
+            </a:r>
+          </a:p>
+          <a:p>
+            <a:r>
+              <a:rPr lang="en-GB" dirty="0"/>
+              <a:t>The story of the Tower of </a:t>
+            </a:r>
+            <a:r>
+              <a:rPr lang="en-GB" dirty="0" err="1"/>
+              <a:t>Bable</a:t>
+            </a:r>
+            <a:r>
+              <a:rPr lang="en-GB" dirty="0"/>
+              <a:t> can be found in the book of Genesis in the bible.</a:t>
             </a:r>
           </a:p>
           <a:p>
@@ -3354,12 +3365,12 @@
           <a:lstStyle/>
           <a:p>
             <a:r>
-              <a:rPr lang="en-GB" dirty="0" smtClean="0"/>
-              <a:t>Your response to &lt;work </a:t>
-            </a:r>
-            <a:r>
-              <a:rPr lang="en-GB" smtClean="0"/>
-              <a:t>of art&gt;g</a:t>
+              <a:rPr lang="en-GB" dirty="0"/>
+              <a:t>Response to Tower of </a:t>
+            </a:r>
+            <a:r>
+              <a:rPr lang="en-GB" dirty="0" err="1"/>
+              <a:t>Bable</a:t>
             </a:r>
             <a:endParaRPr lang="en-US" dirty="0"/>
           </a:p>
@@ -3375,40 +3386,59 @@
             <p:ph idx="1"/>
           </p:nvPr>
         </p:nvSpPr>
-        <p:spPr/>
-        <p:txBody>
-          <a:bodyPr/>
-          <a:lstStyle/>
-          <a:p>
-            <a:r>
-              <a:rPr lang="en-GB" dirty="0" smtClean="0"/>
-              <a:t>[Expand on your reaction to the work]</a:t>
-            </a:r>
-          </a:p>
-          <a:p>
-            <a:r>
-              <a:rPr lang="en-GB" dirty="0" smtClean="0"/>
-              <a:t>Explain the form that your game will take</a:t>
-            </a:r>
-          </a:p>
-          <a:p>
-            <a:r>
-              <a:rPr lang="en-GB" dirty="0" smtClean="0"/>
-              <a:t>Explain how your game will be a response to the work</a:t>
-            </a:r>
-          </a:p>
-          <a:p>
-            <a:r>
-              <a:rPr lang="en-GB" dirty="0" smtClean="0"/>
-              <a:t>Explain the technology you intending to use and why</a:t>
-            </a:r>
-          </a:p>
-          <a:p>
-            <a:r>
-              <a:rPr lang="en-GB" dirty="0" smtClean="0"/>
-              <a:t>Explain how you are intending to limit the scope to make it achievable</a:t>
-            </a:r>
-            <a:endParaRPr lang="en-US" dirty="0"/>
+        <p:spPr>
+          <a:xfrm>
+            <a:off x="838200" y="1690688"/>
+            <a:ext cx="10515600" cy="4486275"/>
+          </a:xfrm>
+        </p:spPr>
+        <p:txBody>
+          <a:bodyPr>
+            <a:normAutofit fontScale="70000" lnSpcReduction="20000"/>
+          </a:bodyPr>
+          <a:lstStyle/>
+          <a:p>
+            <a:r>
+              <a:rPr lang="en-GB" dirty="0"/>
+              <a:t>I love the use of art and maths with the perception element of it. Shows intelligence as well as artistic skill. The kind of person who is naturally smart but wants to pursue a passion whilst incorporating a piece of himself in his work.</a:t>
+            </a:r>
+          </a:p>
+          <a:p>
+            <a:r>
+              <a:rPr lang="en-GB" dirty="0"/>
+              <a:t>The game will have a forced perception element to it and you will be figuratively making the tower of </a:t>
+            </a:r>
+            <a:r>
+              <a:rPr lang="en-GB" dirty="0" err="1"/>
+              <a:t>bable</a:t>
+            </a:r>
+            <a:r>
+              <a:rPr lang="en-GB" dirty="0"/>
+              <a:t>. The player will be presented with pieces, of which they have to place in the available areas, however they can place them in the wrong place. The aim is to create a functioning corridor from a random place, chosen by the game, to another point. You then build on the level above however with a new set of pieces and more places to put them. You must do it quickly.</a:t>
+            </a:r>
+          </a:p>
+          <a:p>
+            <a:r>
+              <a:rPr lang="en-GB" dirty="0"/>
+              <a:t>This game I a response in that you are a creating a building which becomes more chaotic and more impossible the more you build, which directly links to the story that the painting represents.</a:t>
+            </a:r>
+          </a:p>
+          <a:p>
+            <a:r>
+              <a:rPr lang="en-GB" dirty="0"/>
+              <a:t>I have chosen the unreal engine because of the fact I’m more comfortable with it and can clearly plan of how I am to develop it within my head before proceeding.</a:t>
+            </a:r>
+          </a:p>
+          <a:p>
+            <a:r>
+              <a:rPr lang="en-GB" dirty="0"/>
+              <a:t>I know its achievable because I off my experience with the engine and I know what I am capable off. So I could plan and see if I could do it. The only problem is with the unreal engine UI system which may cause a problem. As it is a very UI heavy </a:t>
+            </a:r>
+            <a:r>
+              <a:rPr lang="en-GB"/>
+              <a:t>based game</a:t>
+            </a:r>
+            <a:endParaRPr lang="en-GB" dirty="0"/>
           </a:p>
         </p:txBody>
       </p:sp>
@@ -3458,7 +3488,7 @@
           <a:lstStyle/>
           <a:p>
             <a:r>
-              <a:rPr lang="en-GB" dirty="0" smtClean="0"/>
+              <a:rPr lang="en-GB" dirty="0"/>
               <a:t>Proof of concept</a:t>
             </a:r>
             <a:endParaRPr lang="en-US" dirty="0"/>
@@ -3481,76 +3511,32 @@
           <a:lstStyle/>
           <a:p>
             <a:r>
-              <a:rPr lang="en-GB" dirty="0" smtClean="0"/>
-              <a:t>Level layout (Visio?)</a:t>
-            </a:r>
-            <a:br>
-              <a:rPr lang="en-GB" dirty="0" smtClean="0"/>
-            </a:br>
-            <a:r>
-              <a:rPr lang="en-GB" dirty="0" smtClean="0"/>
-              <a:t>or</a:t>
-            </a:r>
-          </a:p>
-          <a:p>
-            <a:r>
-              <a:rPr lang="en-GB" dirty="0" err="1" smtClean="0"/>
-              <a:t>Whitebox</a:t>
-            </a:r>
-            <a:r>
-              <a:rPr lang="en-GB" dirty="0" smtClean="0"/>
-              <a:t> of level</a:t>
-            </a:r>
-            <a:br>
-              <a:rPr lang="en-GB" dirty="0" smtClean="0"/>
-            </a:br>
-            <a:r>
-              <a:rPr lang="en-GB" dirty="0" smtClean="0"/>
-              <a:t>or</a:t>
-            </a:r>
-          </a:p>
-          <a:p>
-            <a:r>
-              <a:rPr lang="en-GB" dirty="0" smtClean="0"/>
-              <a:t>Mood board</a:t>
-            </a:r>
-            <a:br>
-              <a:rPr lang="en-GB" dirty="0" smtClean="0"/>
-            </a:br>
-            <a:r>
-              <a:rPr lang="en-GB" dirty="0" smtClean="0"/>
-              <a:t>or</a:t>
-            </a:r>
-          </a:p>
-          <a:p>
-            <a:r>
-              <a:rPr lang="en-GB" dirty="0" smtClean="0"/>
-              <a:t>Storyboard</a:t>
-            </a:r>
-            <a:br>
-              <a:rPr lang="en-GB" dirty="0" smtClean="0"/>
-            </a:br>
-            <a:r>
-              <a:rPr lang="en-GB" dirty="0" smtClean="0"/>
-              <a:t>or</a:t>
-            </a:r>
-          </a:p>
-          <a:p>
-            <a:r>
-              <a:rPr lang="en-GB" dirty="0" smtClean="0"/>
+              <a:rPr lang="en-GB" dirty="0"/>
               <a:t>Prototype</a:t>
             </a:r>
           </a:p>
           <a:p>
-            <a:endParaRPr lang="en-GB" dirty="0" smtClean="0"/>
-          </a:p>
-          <a:p>
-            <a:endParaRPr lang="en-GB" dirty="0" smtClean="0"/>
-          </a:p>
-          <a:p>
-            <a:endParaRPr lang="en-GB" dirty="0" smtClean="0"/>
-          </a:p>
-          <a:p>
+            <a:pPr marL="0" indent="0">
+              <a:buNone/>
+            </a:pPr>
+            <a:endParaRPr lang="en-GB" dirty="0"/>
+          </a:p>
+          <a:p>
+            <a:pPr marL="0" indent="0">
+              <a:buNone/>
+            </a:pPr>
+            <a:endParaRPr lang="en-GB" dirty="0"/>
+          </a:p>
+          <a:p>
+            <a:pPr marL="0" indent="0">
+              <a:buNone/>
+            </a:pPr>
+            <a:endParaRPr lang="en-GB" dirty="0"/>
+          </a:p>
+          <a:p>
+            <a:pPr marL="0" indent="0">
+              <a:buNone/>
+            </a:pPr>
             <a:endParaRPr lang="en-US" dirty="0"/>
           </a:p>
         </p:txBody>
@@ -3601,7 +3587,7 @@
           <a:lstStyle/>
           <a:p>
             <a:r>
-              <a:rPr lang="en-GB" dirty="0" smtClean="0"/>
+              <a:rPr lang="en-GB" dirty="0"/>
               <a:t>Planning</a:t>
             </a:r>
             <a:endParaRPr lang="en-US" dirty="0"/>
@@ -3618,7 +3604,7 @@
             <p:ph idx="1"/>
             <p:extLst>
               <p:ext uri="{D42A27DB-BD31-4B8C-83A1-F6EECF244321}">
-                <p14:modId xmlns:p14="http://schemas.microsoft.com/office/powerpoint/2010/main" val="732572676"/>
+                <p14:modId xmlns:p14="http://schemas.microsoft.com/office/powerpoint/2010/main" val="1289174459"/>
               </p:ext>
             </p:extLst>
           </p:nvPr>
@@ -3656,7 +3642,7 @@
                     <a:lstStyle/>
                     <a:p>
                       <a:r>
-                        <a:rPr lang="en-GB" dirty="0" smtClean="0"/>
+                        <a:rPr lang="en-GB" dirty="0"/>
                         <a:t>Date</a:t>
                       </a:r>
                       <a:endParaRPr lang="en-US" dirty="0"/>
@@ -3670,11 +3656,11 @@
                     <a:lstStyle/>
                     <a:p>
                       <a:r>
-                        <a:rPr lang="en-GB" dirty="0" smtClean="0"/>
+                        <a:rPr lang="en-GB" dirty="0"/>
                         <a:t>What will</a:t>
                       </a:r>
                       <a:r>
-                        <a:rPr lang="en-GB" baseline="0" dirty="0" smtClean="0"/>
+                        <a:rPr lang="en-GB" baseline="0" dirty="0"/>
                         <a:t> I have finished?</a:t>
                       </a:r>
                       <a:endParaRPr lang="en-US" dirty="0"/>
@@ -3695,15 +3681,15 @@
                     <a:lstStyle/>
                     <a:p>
                       <a:r>
-                        <a:rPr lang="en-GB" dirty="0" smtClean="0"/>
+                        <a:rPr lang="en-GB" dirty="0"/>
                         <a:t>25</a:t>
                       </a:r>
                       <a:r>
-                        <a:rPr lang="en-GB" baseline="30000" dirty="0" smtClean="0"/>
+                        <a:rPr lang="en-GB" baseline="30000" dirty="0"/>
                         <a:t>th</a:t>
                       </a:r>
                       <a:r>
-                        <a:rPr lang="en-GB" dirty="0" smtClean="0"/>
+                        <a:rPr lang="en-GB" dirty="0"/>
                         <a:t> February 2019</a:t>
                       </a:r>
                       <a:endParaRPr lang="en-US" dirty="0"/>
@@ -3716,7 +3702,10 @@
                     <a:bodyPr/>
                     <a:lstStyle/>
                     <a:p>
-                      <a:endParaRPr lang="en-US" dirty="0"/>
+                      <a:r>
+                        <a:rPr lang="en-US" dirty="0"/>
+                        <a:t>Properly working UI</a:t>
+                      </a:r>
                     </a:p>
                   </a:txBody>
                   <a:tcPr/>
@@ -3734,15 +3723,15 @@
                     <a:lstStyle/>
                     <a:p>
                       <a:r>
-                        <a:rPr lang="en-GB" dirty="0" smtClean="0"/>
+                        <a:rPr lang="en-GB" dirty="0"/>
                         <a:t>4</a:t>
                       </a:r>
                       <a:r>
-                        <a:rPr lang="en-GB" baseline="30000" dirty="0" smtClean="0"/>
+                        <a:rPr lang="en-GB" baseline="30000" dirty="0"/>
                         <a:t>th</a:t>
                       </a:r>
                       <a:r>
-                        <a:rPr lang="en-GB" dirty="0" smtClean="0"/>
+                        <a:rPr lang="en-GB" dirty="0"/>
                         <a:t> March 2019</a:t>
                       </a:r>
                       <a:endParaRPr lang="en-US" dirty="0"/>
@@ -3755,7 +3744,10 @@
                     <a:bodyPr/>
                     <a:lstStyle/>
                     <a:p>
-                      <a:endParaRPr lang="en-US" dirty="0"/>
+                      <a:r>
+                        <a:rPr lang="en-US" dirty="0"/>
+                        <a:t>Have AI which determines if its solvable</a:t>
+                      </a:r>
                     </a:p>
                   </a:txBody>
                   <a:tcPr/>
@@ -3773,15 +3765,15 @@
                     <a:lstStyle/>
                     <a:p>
                       <a:r>
-                        <a:rPr lang="en-GB" dirty="0" smtClean="0"/>
+                        <a:rPr lang="en-GB" dirty="0"/>
                         <a:t>11</a:t>
                       </a:r>
                       <a:r>
-                        <a:rPr lang="en-GB" baseline="30000" dirty="0" smtClean="0"/>
+                        <a:rPr lang="en-GB" baseline="30000" dirty="0"/>
                         <a:t>th</a:t>
                       </a:r>
                       <a:r>
-                        <a:rPr lang="en-GB" baseline="0" dirty="0" smtClean="0"/>
+                        <a:rPr lang="en-GB" baseline="0" dirty="0"/>
                         <a:t> March 2019</a:t>
                       </a:r>
                       <a:endParaRPr lang="en-US" dirty="0"/>
@@ -3794,7 +3786,10 @@
                     <a:bodyPr/>
                     <a:lstStyle/>
                     <a:p>
-                      <a:endParaRPr lang="en-US" dirty="0"/>
+                      <a:r>
+                        <a:rPr lang="en-US" dirty="0"/>
+                        <a:t>Finish Win state of a level</a:t>
+                      </a:r>
                     </a:p>
                   </a:txBody>
                   <a:tcPr/>
@@ -3812,15 +3807,15 @@
                     <a:lstStyle/>
                     <a:p>
                       <a:r>
-                        <a:rPr lang="en-GB" dirty="0" smtClean="0"/>
+                        <a:rPr lang="en-GB" dirty="0"/>
                         <a:t>18</a:t>
                       </a:r>
                       <a:r>
-                        <a:rPr lang="en-GB" baseline="30000" dirty="0" smtClean="0"/>
+                        <a:rPr lang="en-GB" baseline="30000" dirty="0"/>
                         <a:t>th</a:t>
                       </a:r>
                       <a:r>
-                        <a:rPr lang="en-GB" dirty="0" smtClean="0"/>
+                        <a:rPr lang="en-GB" dirty="0"/>
                         <a:t> March 2019</a:t>
                       </a:r>
                     </a:p>
@@ -3832,7 +3827,10 @@
                     <a:bodyPr/>
                     <a:lstStyle/>
                     <a:p>
-                      <a:endParaRPr lang="en-US" dirty="0"/>
+                      <a:r>
+                        <a:rPr lang="en-US" dirty="0"/>
+                        <a:t>Create harder level generator</a:t>
+                      </a:r>
                     </a:p>
                   </a:txBody>
                   <a:tcPr/>
@@ -3850,15 +3848,15 @@
                     <a:lstStyle/>
                     <a:p>
                       <a:r>
-                        <a:rPr lang="en-GB" dirty="0" smtClean="0"/>
+                        <a:rPr lang="en-GB" dirty="0"/>
                         <a:t>25</a:t>
                       </a:r>
                       <a:r>
-                        <a:rPr lang="en-GB" baseline="30000" dirty="0" smtClean="0"/>
+                        <a:rPr lang="en-GB" baseline="30000" dirty="0"/>
                         <a:t>th</a:t>
                       </a:r>
                       <a:r>
-                        <a:rPr lang="en-GB" dirty="0" smtClean="0"/>
+                        <a:rPr lang="en-GB" dirty="0"/>
                         <a:t> March 2019</a:t>
                       </a:r>
                       <a:endParaRPr lang="en-US" dirty="0"/>
@@ -3871,7 +3869,10 @@
                     <a:bodyPr/>
                     <a:lstStyle/>
                     <a:p>
-                      <a:endParaRPr lang="en-US" dirty="0"/>
+                      <a:r>
+                        <a:rPr lang="en-US" dirty="0"/>
+                        <a:t>Implement more pieces for harder generation</a:t>
+                      </a:r>
                     </a:p>
                   </a:txBody>
                   <a:tcPr/>
@@ -3889,15 +3890,15 @@
                     <a:lstStyle/>
                     <a:p>
                       <a:r>
-                        <a:rPr lang="en-GB" dirty="0" smtClean="0"/>
+                        <a:rPr lang="en-GB" dirty="0"/>
                         <a:t>1</a:t>
                       </a:r>
                       <a:r>
-                        <a:rPr lang="en-GB" baseline="30000" dirty="0" smtClean="0"/>
+                        <a:rPr lang="en-GB" baseline="30000" dirty="0"/>
                         <a:t>st</a:t>
                       </a:r>
                       <a:r>
-                        <a:rPr lang="en-GB" dirty="0" smtClean="0"/>
+                        <a:rPr lang="en-GB" dirty="0"/>
                         <a:t> April 2019</a:t>
                       </a:r>
                       <a:endParaRPr lang="en-US" dirty="0"/>
@@ -3910,7 +3911,10 @@
                     <a:bodyPr/>
                     <a:lstStyle/>
                     <a:p>
-                      <a:endParaRPr lang="en-US" dirty="0"/>
+                      <a:r>
+                        <a:rPr lang="en-US" dirty="0"/>
+                        <a:t>Finish Polish, textures and particles</a:t>
+                      </a:r>
                     </a:p>
                   </a:txBody>
                   <a:tcPr/>
@@ -3928,15 +3932,15 @@
                     <a:lstStyle/>
                     <a:p>
                       <a:r>
-                        <a:rPr lang="en-GB" dirty="0" smtClean="0"/>
+                        <a:rPr lang="en-GB" dirty="0"/>
                         <a:t>8</a:t>
                       </a:r>
                       <a:r>
-                        <a:rPr lang="en-GB" baseline="30000" dirty="0" smtClean="0"/>
+                        <a:rPr lang="en-GB" baseline="30000" dirty="0"/>
                         <a:t>th</a:t>
                       </a:r>
                       <a:r>
-                        <a:rPr lang="en-GB" dirty="0" smtClean="0"/>
+                        <a:rPr lang="en-GB" dirty="0"/>
                         <a:t> April 2019</a:t>
                       </a:r>
                       <a:endParaRPr lang="en-US" dirty="0"/>
@@ -3949,7 +3953,10 @@
                     <a:bodyPr/>
                     <a:lstStyle/>
                     <a:p>
-                      <a:endParaRPr lang="en-US" dirty="0"/>
+                      <a:r>
+                        <a:rPr lang="en-US" dirty="0"/>
+                        <a:t>Fix all major bugs for final build and submission</a:t>
+                      </a:r>
                     </a:p>
                   </a:txBody>
                   <a:tcPr/>
@@ -3967,15 +3974,15 @@
                     <a:lstStyle/>
                     <a:p>
                       <a:r>
-                        <a:rPr lang="en-GB" dirty="0" smtClean="0"/>
+                        <a:rPr lang="en-GB" dirty="0"/>
                         <a:t>29</a:t>
                       </a:r>
                       <a:r>
-                        <a:rPr lang="en-GB" baseline="30000" dirty="0" smtClean="0"/>
+                        <a:rPr lang="en-GB" baseline="30000" dirty="0"/>
                         <a:t>th</a:t>
                       </a:r>
                       <a:r>
-                        <a:rPr lang="en-GB" dirty="0" smtClean="0"/>
+                        <a:rPr lang="en-GB" dirty="0"/>
                         <a:t> April 2019 (hand-in)</a:t>
                       </a:r>
                       <a:endParaRPr lang="en-US" dirty="0"/>
@@ -3988,7 +3995,10 @@
                     <a:bodyPr/>
                     <a:lstStyle/>
                     <a:p>
-                      <a:endParaRPr lang="en-US" dirty="0"/>
+                      <a:r>
+                        <a:rPr lang="en-US" dirty="0"/>
+                        <a:t>Finished game</a:t>
+                      </a:r>
                     </a:p>
                   </a:txBody>
                   <a:tcPr/>
@@ -4049,7 +4059,7 @@
           <a:lstStyle/>
           <a:p>
             <a:r>
-              <a:rPr lang="en-GB" dirty="0" smtClean="0"/>
+              <a:rPr lang="en-GB" dirty="0"/>
               <a:t>References</a:t>
             </a:r>
             <a:endParaRPr lang="en-US" dirty="0"/>
@@ -4072,8 +4082,74 @@
           <a:lstStyle/>
           <a:p>
             <a:r>
-              <a:rPr lang="en-GB" dirty="0" smtClean="0"/>
-              <a:t>&lt;Your best is to make the references in a Word document and then copy paste it here&gt;</a:t>
+              <a:rPr lang="en-GB" dirty="0"/>
+              <a:t>About M.C Escher- </a:t>
+            </a:r>
+            <a:r>
+              <a:rPr lang="en-GB" dirty="0">
+                <a:hlinkClick r:id="rId2"/>
+              </a:rPr>
+              <a:t>https://www.mcescher.com/about/biography/</a:t>
+            </a:r>
+            <a:endParaRPr lang="en-GB" dirty="0">
+              <a:hlinkClick r:id="rId3"/>
+            </a:endParaRPr>
+          </a:p>
+          <a:p>
+            <a:r>
+              <a:rPr lang="en-GB" dirty="0"/>
+              <a:t>Tower of </a:t>
+            </a:r>
+            <a:r>
+              <a:rPr lang="en-GB" dirty="0" err="1"/>
+              <a:t>Bable</a:t>
+            </a:r>
+            <a:r>
+              <a:rPr lang="en-GB" dirty="0"/>
+              <a:t> painting information-</a:t>
+            </a:r>
+            <a:r>
+              <a:rPr lang="en-GB" dirty="0">
+                <a:hlinkClick r:id="rId3"/>
+              </a:rPr>
+              <a:t>https://en.wikipedia.org/wiki/Tower_of_Babel_(</a:t>
+            </a:r>
+            <a:r>
+              <a:rPr lang="en-GB" dirty="0" err="1">
+                <a:hlinkClick r:id="rId3"/>
+              </a:rPr>
+              <a:t>M._C._Escher</a:t>
+            </a:r>
+            <a:r>
+              <a:rPr lang="en-GB" dirty="0">
+                <a:hlinkClick r:id="rId3"/>
+              </a:rPr>
+              <a:t>)</a:t>
+            </a:r>
+            <a:endParaRPr lang="en-GB" dirty="0"/>
+          </a:p>
+          <a:p>
+            <a:r>
+              <a:rPr lang="en-GB" dirty="0"/>
+              <a:t> Original tower of </a:t>
+            </a:r>
+            <a:r>
+              <a:rPr lang="en-GB" dirty="0" err="1"/>
+              <a:t>Bable</a:t>
+            </a:r>
+            <a:r>
+              <a:rPr lang="en-GB" dirty="0"/>
+              <a:t> story- </a:t>
+            </a:r>
+            <a:r>
+              <a:rPr lang="en-GB" dirty="0">
+                <a:hlinkClick r:id="rId4"/>
+              </a:rPr>
+              <a:t>https://en.wikipedia.org/wiki/Tower_of_Babel</a:t>
+            </a:r>
+            <a:r>
+              <a:rPr lang="en-GB" dirty="0"/>
+              <a:t> </a:t>
             </a:r>
           </a:p>
         </p:txBody>
